--- a/ppt 16-9/1198.新屋落成感.pptx
+++ b/ppt 16-9/1198.新屋落成感.pptx
@@ -129,7 +129,7 @@
           <p:cNvPr id="2" name="标题 1">
             <a:extLst>
               <a:ext uri="{FF2B5EF4-FFF2-40B4-BE49-F238E27FC236}">
-                <a16:creationId xmlns:a16="http://schemas.microsoft.com/office/drawing/2014/main" id="{56ADA0F5-C5E9-D0EF-B38E-62B8E3D5CF0E}"/>
+                <a16:creationId xmlns:a16="http://schemas.microsoft.com/office/drawing/2014/main" id="{C77FC6C3-16BF-DCB0-4693-169BC5BAAE5B}"/>
               </a:ext>
             </a:extLst>
           </p:cNvPr>
@@ -166,7 +166,7 @@
           <p:cNvPr id="3" name="副标题 2">
             <a:extLst>
               <a:ext uri="{FF2B5EF4-FFF2-40B4-BE49-F238E27FC236}">
-                <a16:creationId xmlns:a16="http://schemas.microsoft.com/office/drawing/2014/main" id="{5AC8B159-54EF-8289-0122-5A2D77EF8374}"/>
+                <a16:creationId xmlns:a16="http://schemas.microsoft.com/office/drawing/2014/main" id="{0F8D3CC7-6ECA-6EF1-A7A7-ACF9E4909775}"/>
               </a:ext>
             </a:extLst>
           </p:cNvPr>
@@ -236,7 +236,7 @@
           <p:cNvPr id="4" name="日期占位符 3">
             <a:extLst>
               <a:ext uri="{FF2B5EF4-FFF2-40B4-BE49-F238E27FC236}">
-                <a16:creationId xmlns:a16="http://schemas.microsoft.com/office/drawing/2014/main" id="{AB8C5269-1974-78FF-57FE-CC861966552B}"/>
+                <a16:creationId xmlns:a16="http://schemas.microsoft.com/office/drawing/2014/main" id="{92AF1E55-9AC8-0FE6-F994-2237246859E4}"/>
               </a:ext>
             </a:extLst>
           </p:cNvPr>
@@ -252,7 +252,7 @@
           <a:bodyPr/>
           <a:lstStyle/>
           <a:p>
-            <a:fld id="{65FC8CFC-7AD8-4103-A20D-48BF0D97D535}" type="datetimeFigureOut">
+            <a:fld id="{A7DC077F-2386-4C86-9AF9-1D7882E59B25}" type="datetimeFigureOut">
               <a:rPr lang="zh-CN" altLang="en-US" smtClean="0"/>
               <a:t>2024/3/10</a:t>
             </a:fld>
@@ -265,7 +265,7 @@
           <p:cNvPr id="5" name="页脚占位符 4">
             <a:extLst>
               <a:ext uri="{FF2B5EF4-FFF2-40B4-BE49-F238E27FC236}">
-                <a16:creationId xmlns:a16="http://schemas.microsoft.com/office/drawing/2014/main" id="{CAFA0084-832D-20CD-9EA3-4E05E2E27E71}"/>
+                <a16:creationId xmlns:a16="http://schemas.microsoft.com/office/drawing/2014/main" id="{F0FAACA2-D56F-3399-B5B9-24CB5A58D37E}"/>
               </a:ext>
             </a:extLst>
           </p:cNvPr>
@@ -290,7 +290,7 @@
           <p:cNvPr id="6" name="灯片编号占位符 5">
             <a:extLst>
               <a:ext uri="{FF2B5EF4-FFF2-40B4-BE49-F238E27FC236}">
-                <a16:creationId xmlns:a16="http://schemas.microsoft.com/office/drawing/2014/main" id="{828593B3-DAEF-17C7-7362-67F2F83675C7}"/>
+                <a16:creationId xmlns:a16="http://schemas.microsoft.com/office/drawing/2014/main" id="{389B28A0-032D-B68B-5EBE-8F878BE61D51}"/>
               </a:ext>
             </a:extLst>
           </p:cNvPr>
@@ -306,7 +306,7 @@
           <a:bodyPr/>
           <a:lstStyle/>
           <a:p>
-            <a:fld id="{746262C2-BB26-44B8-83C3-120D5066EF6E}" type="slidenum">
+            <a:fld id="{4A1DACA9-3386-4649-B7FC-8CEE7254DC27}" type="slidenum">
               <a:rPr lang="zh-CN" altLang="en-US" smtClean="0"/>
               <a:t>‹#›</a:t>
             </a:fld>
@@ -317,7 +317,7 @@
     </p:spTree>
     <p:extLst>
       <p:ext uri="{BB962C8B-B14F-4D97-AF65-F5344CB8AC3E}">
-        <p14:creationId xmlns:p14="http://schemas.microsoft.com/office/powerpoint/2010/main" val="3232567669"/>
+        <p14:creationId xmlns:p14="http://schemas.microsoft.com/office/powerpoint/2010/main" val="1112392640"/>
       </p:ext>
     </p:extLst>
   </p:cSld>
@@ -349,7 +349,7 @@
           <p:cNvPr id="2" name="标题 1">
             <a:extLst>
               <a:ext uri="{FF2B5EF4-FFF2-40B4-BE49-F238E27FC236}">
-                <a16:creationId xmlns:a16="http://schemas.microsoft.com/office/drawing/2014/main" id="{D6F36E20-EF71-EB77-9DE8-F1D2DA0CBF4F}"/>
+                <a16:creationId xmlns:a16="http://schemas.microsoft.com/office/drawing/2014/main" id="{F718F6B8-30D3-8333-9D66-55D42160D096}"/>
               </a:ext>
             </a:extLst>
           </p:cNvPr>
@@ -377,7 +377,7 @@
           <p:cNvPr id="3" name="竖排文字占位符 2">
             <a:extLst>
               <a:ext uri="{FF2B5EF4-FFF2-40B4-BE49-F238E27FC236}">
-                <a16:creationId xmlns:a16="http://schemas.microsoft.com/office/drawing/2014/main" id="{09698673-DB0D-A10C-9973-F567D1D68BA1}"/>
+                <a16:creationId xmlns:a16="http://schemas.microsoft.com/office/drawing/2014/main" id="{CB74D18A-4461-C483-4224-99B0191C0E76}"/>
               </a:ext>
             </a:extLst>
           </p:cNvPr>
@@ -434,7 +434,7 @@
           <p:cNvPr id="4" name="日期占位符 3">
             <a:extLst>
               <a:ext uri="{FF2B5EF4-FFF2-40B4-BE49-F238E27FC236}">
-                <a16:creationId xmlns:a16="http://schemas.microsoft.com/office/drawing/2014/main" id="{3C63646A-7FE1-BE32-3B44-1144DB2A349C}"/>
+                <a16:creationId xmlns:a16="http://schemas.microsoft.com/office/drawing/2014/main" id="{811AD787-968E-5E75-93F2-9ED0217CCB53}"/>
               </a:ext>
             </a:extLst>
           </p:cNvPr>
@@ -450,7 +450,7 @@
           <a:bodyPr/>
           <a:lstStyle/>
           <a:p>
-            <a:fld id="{65FC8CFC-7AD8-4103-A20D-48BF0D97D535}" type="datetimeFigureOut">
+            <a:fld id="{A7DC077F-2386-4C86-9AF9-1D7882E59B25}" type="datetimeFigureOut">
               <a:rPr lang="zh-CN" altLang="en-US" smtClean="0"/>
               <a:t>2024/3/10</a:t>
             </a:fld>
@@ -463,7 +463,7 @@
           <p:cNvPr id="5" name="页脚占位符 4">
             <a:extLst>
               <a:ext uri="{FF2B5EF4-FFF2-40B4-BE49-F238E27FC236}">
-                <a16:creationId xmlns:a16="http://schemas.microsoft.com/office/drawing/2014/main" id="{3564A50B-2306-E72B-6A4B-BB2250547E16}"/>
+                <a16:creationId xmlns:a16="http://schemas.microsoft.com/office/drawing/2014/main" id="{8BB97254-F89C-428A-C9EE-E02ADDDE4821}"/>
               </a:ext>
             </a:extLst>
           </p:cNvPr>
@@ -488,7 +488,7 @@
           <p:cNvPr id="6" name="灯片编号占位符 5">
             <a:extLst>
               <a:ext uri="{FF2B5EF4-FFF2-40B4-BE49-F238E27FC236}">
-                <a16:creationId xmlns:a16="http://schemas.microsoft.com/office/drawing/2014/main" id="{05CD3A2E-0A89-817B-8CC0-53088325C4EE}"/>
+                <a16:creationId xmlns:a16="http://schemas.microsoft.com/office/drawing/2014/main" id="{678CBFD2-6E5B-385A-5B24-8CACE6480F9F}"/>
               </a:ext>
             </a:extLst>
           </p:cNvPr>
@@ -504,7 +504,7 @@
           <a:bodyPr/>
           <a:lstStyle/>
           <a:p>
-            <a:fld id="{746262C2-BB26-44B8-83C3-120D5066EF6E}" type="slidenum">
+            <a:fld id="{4A1DACA9-3386-4649-B7FC-8CEE7254DC27}" type="slidenum">
               <a:rPr lang="zh-CN" altLang="en-US" smtClean="0"/>
               <a:t>‹#›</a:t>
             </a:fld>
@@ -515,7 +515,7 @@
     </p:spTree>
     <p:extLst>
       <p:ext uri="{BB962C8B-B14F-4D97-AF65-F5344CB8AC3E}">
-        <p14:creationId xmlns:p14="http://schemas.microsoft.com/office/powerpoint/2010/main" val="852684825"/>
+        <p14:creationId xmlns:p14="http://schemas.microsoft.com/office/powerpoint/2010/main" val="3664341687"/>
       </p:ext>
     </p:extLst>
   </p:cSld>
@@ -547,7 +547,7 @@
           <p:cNvPr id="2" name="竖排标题 1">
             <a:extLst>
               <a:ext uri="{FF2B5EF4-FFF2-40B4-BE49-F238E27FC236}">
-                <a16:creationId xmlns:a16="http://schemas.microsoft.com/office/drawing/2014/main" id="{AF6CFC24-4250-1B47-2CE4-55B07E502A0E}"/>
+                <a16:creationId xmlns:a16="http://schemas.microsoft.com/office/drawing/2014/main" id="{11E62CF7-70D8-578C-A1E1-0C81752A2914}"/>
               </a:ext>
             </a:extLst>
           </p:cNvPr>
@@ -580,7 +580,7 @@
           <p:cNvPr id="3" name="竖排文字占位符 2">
             <a:extLst>
               <a:ext uri="{FF2B5EF4-FFF2-40B4-BE49-F238E27FC236}">
-                <a16:creationId xmlns:a16="http://schemas.microsoft.com/office/drawing/2014/main" id="{30DE9AAC-6E45-D12A-DCFD-591D5FC6BC91}"/>
+                <a16:creationId xmlns:a16="http://schemas.microsoft.com/office/drawing/2014/main" id="{56EC9B5B-2E4D-CD92-5C60-B914E820026E}"/>
               </a:ext>
             </a:extLst>
           </p:cNvPr>
@@ -642,7 +642,7 @@
           <p:cNvPr id="4" name="日期占位符 3">
             <a:extLst>
               <a:ext uri="{FF2B5EF4-FFF2-40B4-BE49-F238E27FC236}">
-                <a16:creationId xmlns:a16="http://schemas.microsoft.com/office/drawing/2014/main" id="{6431FFD1-0A7E-6A81-0BA9-310958D9EE7F}"/>
+                <a16:creationId xmlns:a16="http://schemas.microsoft.com/office/drawing/2014/main" id="{34D581A8-5E2D-35C3-6049-9ABB343DC095}"/>
               </a:ext>
             </a:extLst>
           </p:cNvPr>
@@ -658,7 +658,7 @@
           <a:bodyPr/>
           <a:lstStyle/>
           <a:p>
-            <a:fld id="{65FC8CFC-7AD8-4103-A20D-48BF0D97D535}" type="datetimeFigureOut">
+            <a:fld id="{A7DC077F-2386-4C86-9AF9-1D7882E59B25}" type="datetimeFigureOut">
               <a:rPr lang="zh-CN" altLang="en-US" smtClean="0"/>
               <a:t>2024/3/10</a:t>
             </a:fld>
@@ -671,7 +671,7 @@
           <p:cNvPr id="5" name="页脚占位符 4">
             <a:extLst>
               <a:ext uri="{FF2B5EF4-FFF2-40B4-BE49-F238E27FC236}">
-                <a16:creationId xmlns:a16="http://schemas.microsoft.com/office/drawing/2014/main" id="{C69FA209-D2F3-C5AF-6F19-3C07E3A2A7C7}"/>
+                <a16:creationId xmlns:a16="http://schemas.microsoft.com/office/drawing/2014/main" id="{2BF4A40F-12A2-3BD7-2EE6-C12CCEE093B9}"/>
               </a:ext>
             </a:extLst>
           </p:cNvPr>
@@ -696,7 +696,7 @@
           <p:cNvPr id="6" name="灯片编号占位符 5">
             <a:extLst>
               <a:ext uri="{FF2B5EF4-FFF2-40B4-BE49-F238E27FC236}">
-                <a16:creationId xmlns:a16="http://schemas.microsoft.com/office/drawing/2014/main" id="{0C9C4DD3-D0AA-B0CD-33C4-A614046559F6}"/>
+                <a16:creationId xmlns:a16="http://schemas.microsoft.com/office/drawing/2014/main" id="{FC23428B-6DE1-67DC-6D7E-686EA6E353A3}"/>
               </a:ext>
             </a:extLst>
           </p:cNvPr>
@@ -712,7 +712,7 @@
           <a:bodyPr/>
           <a:lstStyle/>
           <a:p>
-            <a:fld id="{746262C2-BB26-44B8-83C3-120D5066EF6E}" type="slidenum">
+            <a:fld id="{4A1DACA9-3386-4649-B7FC-8CEE7254DC27}" type="slidenum">
               <a:rPr lang="zh-CN" altLang="en-US" smtClean="0"/>
               <a:t>‹#›</a:t>
             </a:fld>
@@ -723,7 +723,7 @@
     </p:spTree>
     <p:extLst>
       <p:ext uri="{BB962C8B-B14F-4D97-AF65-F5344CB8AC3E}">
-        <p14:creationId xmlns:p14="http://schemas.microsoft.com/office/powerpoint/2010/main" val="2219799994"/>
+        <p14:creationId xmlns:p14="http://schemas.microsoft.com/office/powerpoint/2010/main" val="1425530231"/>
       </p:ext>
     </p:extLst>
   </p:cSld>
@@ -755,7 +755,7 @@
           <p:cNvPr id="2" name="标题 1">
             <a:extLst>
               <a:ext uri="{FF2B5EF4-FFF2-40B4-BE49-F238E27FC236}">
-                <a16:creationId xmlns:a16="http://schemas.microsoft.com/office/drawing/2014/main" id="{8F3C714C-D504-0536-0E8E-210D563ED80C}"/>
+                <a16:creationId xmlns:a16="http://schemas.microsoft.com/office/drawing/2014/main" id="{878F5892-1944-F6BF-97BB-C00FD878F6CD}"/>
               </a:ext>
             </a:extLst>
           </p:cNvPr>
@@ -783,7 +783,7 @@
           <p:cNvPr id="3" name="内容占位符 2">
             <a:extLst>
               <a:ext uri="{FF2B5EF4-FFF2-40B4-BE49-F238E27FC236}">
-                <a16:creationId xmlns:a16="http://schemas.microsoft.com/office/drawing/2014/main" id="{5A466F92-AA50-A86F-BCC5-9DDBC2CC2727}"/>
+                <a16:creationId xmlns:a16="http://schemas.microsoft.com/office/drawing/2014/main" id="{5B9B7921-A76B-E6F5-299B-59D0AEDB017B}"/>
               </a:ext>
             </a:extLst>
           </p:cNvPr>
@@ -840,7 +840,7 @@
           <p:cNvPr id="4" name="日期占位符 3">
             <a:extLst>
               <a:ext uri="{FF2B5EF4-FFF2-40B4-BE49-F238E27FC236}">
-                <a16:creationId xmlns:a16="http://schemas.microsoft.com/office/drawing/2014/main" id="{A2F79000-B365-D8F7-E368-B707962FE51E}"/>
+                <a16:creationId xmlns:a16="http://schemas.microsoft.com/office/drawing/2014/main" id="{FAE425DE-A406-EE0B-F3A1-D2F96225FC10}"/>
               </a:ext>
             </a:extLst>
           </p:cNvPr>
@@ -856,7 +856,7 @@
           <a:bodyPr/>
           <a:lstStyle/>
           <a:p>
-            <a:fld id="{65FC8CFC-7AD8-4103-A20D-48BF0D97D535}" type="datetimeFigureOut">
+            <a:fld id="{A7DC077F-2386-4C86-9AF9-1D7882E59B25}" type="datetimeFigureOut">
               <a:rPr lang="zh-CN" altLang="en-US" smtClean="0"/>
               <a:t>2024/3/10</a:t>
             </a:fld>
@@ -869,7 +869,7 @@
           <p:cNvPr id="5" name="页脚占位符 4">
             <a:extLst>
               <a:ext uri="{FF2B5EF4-FFF2-40B4-BE49-F238E27FC236}">
-                <a16:creationId xmlns:a16="http://schemas.microsoft.com/office/drawing/2014/main" id="{C68C7454-F37A-1696-FFE1-0F6CFF242AE9}"/>
+                <a16:creationId xmlns:a16="http://schemas.microsoft.com/office/drawing/2014/main" id="{5FAED9A4-B1D5-AE63-53B9-05A06E57D0AB}"/>
               </a:ext>
             </a:extLst>
           </p:cNvPr>
@@ -894,7 +894,7 @@
           <p:cNvPr id="6" name="灯片编号占位符 5">
             <a:extLst>
               <a:ext uri="{FF2B5EF4-FFF2-40B4-BE49-F238E27FC236}">
-                <a16:creationId xmlns:a16="http://schemas.microsoft.com/office/drawing/2014/main" id="{85C1C12B-8F6B-BBBF-A1FA-C7745D6CFEA9}"/>
+                <a16:creationId xmlns:a16="http://schemas.microsoft.com/office/drawing/2014/main" id="{C5253DA8-98DC-93EC-F58A-069BB5BDA6E9}"/>
               </a:ext>
             </a:extLst>
           </p:cNvPr>
@@ -910,7 +910,7 @@
           <a:bodyPr/>
           <a:lstStyle/>
           <a:p>
-            <a:fld id="{746262C2-BB26-44B8-83C3-120D5066EF6E}" type="slidenum">
+            <a:fld id="{4A1DACA9-3386-4649-B7FC-8CEE7254DC27}" type="slidenum">
               <a:rPr lang="zh-CN" altLang="en-US" smtClean="0"/>
               <a:t>‹#›</a:t>
             </a:fld>
@@ -921,7 +921,7 @@
     </p:spTree>
     <p:extLst>
       <p:ext uri="{BB962C8B-B14F-4D97-AF65-F5344CB8AC3E}">
-        <p14:creationId xmlns:p14="http://schemas.microsoft.com/office/powerpoint/2010/main" val="3957738498"/>
+        <p14:creationId xmlns:p14="http://schemas.microsoft.com/office/powerpoint/2010/main" val="3546529448"/>
       </p:ext>
     </p:extLst>
   </p:cSld>
@@ -953,7 +953,7 @@
           <p:cNvPr id="2" name="标题 1">
             <a:extLst>
               <a:ext uri="{FF2B5EF4-FFF2-40B4-BE49-F238E27FC236}">
-                <a16:creationId xmlns:a16="http://schemas.microsoft.com/office/drawing/2014/main" id="{2A31BF34-C0B6-9227-4E0B-202B3BA5B988}"/>
+                <a16:creationId xmlns:a16="http://schemas.microsoft.com/office/drawing/2014/main" id="{41EF9EC6-76E6-764E-4B1E-83C248CFCF8F}"/>
               </a:ext>
             </a:extLst>
           </p:cNvPr>
@@ -990,7 +990,7 @@
           <p:cNvPr id="3" name="文本占位符 2">
             <a:extLst>
               <a:ext uri="{FF2B5EF4-FFF2-40B4-BE49-F238E27FC236}">
-                <a16:creationId xmlns:a16="http://schemas.microsoft.com/office/drawing/2014/main" id="{E722134F-09D2-9230-374A-7A537468795A}"/>
+                <a16:creationId xmlns:a16="http://schemas.microsoft.com/office/drawing/2014/main" id="{49974E0E-F206-64AC-C650-64E600EB4831}"/>
               </a:ext>
             </a:extLst>
           </p:cNvPr>
@@ -1115,7 +1115,7 @@
           <p:cNvPr id="4" name="日期占位符 3">
             <a:extLst>
               <a:ext uri="{FF2B5EF4-FFF2-40B4-BE49-F238E27FC236}">
-                <a16:creationId xmlns:a16="http://schemas.microsoft.com/office/drawing/2014/main" id="{F50041F9-5A77-A12D-5549-EDBF2D3044D7}"/>
+                <a16:creationId xmlns:a16="http://schemas.microsoft.com/office/drawing/2014/main" id="{23CF2EEE-E46C-C138-ED3A-3270A74B424C}"/>
               </a:ext>
             </a:extLst>
           </p:cNvPr>
@@ -1131,7 +1131,7 @@
           <a:bodyPr/>
           <a:lstStyle/>
           <a:p>
-            <a:fld id="{65FC8CFC-7AD8-4103-A20D-48BF0D97D535}" type="datetimeFigureOut">
+            <a:fld id="{A7DC077F-2386-4C86-9AF9-1D7882E59B25}" type="datetimeFigureOut">
               <a:rPr lang="zh-CN" altLang="en-US" smtClean="0"/>
               <a:t>2024/3/10</a:t>
             </a:fld>
@@ -1144,7 +1144,7 @@
           <p:cNvPr id="5" name="页脚占位符 4">
             <a:extLst>
               <a:ext uri="{FF2B5EF4-FFF2-40B4-BE49-F238E27FC236}">
-                <a16:creationId xmlns:a16="http://schemas.microsoft.com/office/drawing/2014/main" id="{28CAA8C6-2B08-B983-9242-C07AD03E0A54}"/>
+                <a16:creationId xmlns:a16="http://schemas.microsoft.com/office/drawing/2014/main" id="{490E4CF6-4204-C9A1-8E7B-928AD2CFF025}"/>
               </a:ext>
             </a:extLst>
           </p:cNvPr>
@@ -1169,7 +1169,7 @@
           <p:cNvPr id="6" name="灯片编号占位符 5">
             <a:extLst>
               <a:ext uri="{FF2B5EF4-FFF2-40B4-BE49-F238E27FC236}">
-                <a16:creationId xmlns:a16="http://schemas.microsoft.com/office/drawing/2014/main" id="{94ACCBD0-CBE0-9359-D612-027DDF82E0B6}"/>
+                <a16:creationId xmlns:a16="http://schemas.microsoft.com/office/drawing/2014/main" id="{3BB3197E-1E17-8C3F-8F88-BA7B842A1A6F}"/>
               </a:ext>
             </a:extLst>
           </p:cNvPr>
@@ -1185,7 +1185,7 @@
           <a:bodyPr/>
           <a:lstStyle/>
           <a:p>
-            <a:fld id="{746262C2-BB26-44B8-83C3-120D5066EF6E}" type="slidenum">
+            <a:fld id="{4A1DACA9-3386-4649-B7FC-8CEE7254DC27}" type="slidenum">
               <a:rPr lang="zh-CN" altLang="en-US" smtClean="0"/>
               <a:t>‹#›</a:t>
             </a:fld>
@@ -1196,7 +1196,7 @@
     </p:spTree>
     <p:extLst>
       <p:ext uri="{BB962C8B-B14F-4D97-AF65-F5344CB8AC3E}">
-        <p14:creationId xmlns:p14="http://schemas.microsoft.com/office/powerpoint/2010/main" val="1719259461"/>
+        <p14:creationId xmlns:p14="http://schemas.microsoft.com/office/powerpoint/2010/main" val="1181945178"/>
       </p:ext>
     </p:extLst>
   </p:cSld>
@@ -1228,7 +1228,7 @@
           <p:cNvPr id="2" name="标题 1">
             <a:extLst>
               <a:ext uri="{FF2B5EF4-FFF2-40B4-BE49-F238E27FC236}">
-                <a16:creationId xmlns:a16="http://schemas.microsoft.com/office/drawing/2014/main" id="{F8F9588E-BF45-47A1-F7EC-D6922849FE1C}"/>
+                <a16:creationId xmlns:a16="http://schemas.microsoft.com/office/drawing/2014/main" id="{F3909588-CF5D-3F1A-E819-FA091428B264}"/>
               </a:ext>
             </a:extLst>
           </p:cNvPr>
@@ -1256,7 +1256,7 @@
           <p:cNvPr id="3" name="内容占位符 2">
             <a:extLst>
               <a:ext uri="{FF2B5EF4-FFF2-40B4-BE49-F238E27FC236}">
-                <a16:creationId xmlns:a16="http://schemas.microsoft.com/office/drawing/2014/main" id="{22E1AAE6-103C-DA48-13E7-0216B67E81A6}"/>
+                <a16:creationId xmlns:a16="http://schemas.microsoft.com/office/drawing/2014/main" id="{BB1AD8CA-D5F7-6F78-B5D9-772C4C8830E8}"/>
               </a:ext>
             </a:extLst>
           </p:cNvPr>
@@ -1318,7 +1318,7 @@
           <p:cNvPr id="4" name="内容占位符 3">
             <a:extLst>
               <a:ext uri="{FF2B5EF4-FFF2-40B4-BE49-F238E27FC236}">
-                <a16:creationId xmlns:a16="http://schemas.microsoft.com/office/drawing/2014/main" id="{1677B417-1EC4-056E-BC8C-FF602CACDA1B}"/>
+                <a16:creationId xmlns:a16="http://schemas.microsoft.com/office/drawing/2014/main" id="{378E122B-797A-BCF2-5904-A68D3FAA0144}"/>
               </a:ext>
             </a:extLst>
           </p:cNvPr>
@@ -1380,7 +1380,7 @@
           <p:cNvPr id="5" name="日期占位符 4">
             <a:extLst>
               <a:ext uri="{FF2B5EF4-FFF2-40B4-BE49-F238E27FC236}">
-                <a16:creationId xmlns:a16="http://schemas.microsoft.com/office/drawing/2014/main" id="{5BC99EEA-CC92-537B-DB4E-1FB76E476682}"/>
+                <a16:creationId xmlns:a16="http://schemas.microsoft.com/office/drawing/2014/main" id="{B06A7565-93DB-4C9E-4839-74F7D4A8E3AD}"/>
               </a:ext>
             </a:extLst>
           </p:cNvPr>
@@ -1396,7 +1396,7 @@
           <a:bodyPr/>
           <a:lstStyle/>
           <a:p>
-            <a:fld id="{65FC8CFC-7AD8-4103-A20D-48BF0D97D535}" type="datetimeFigureOut">
+            <a:fld id="{A7DC077F-2386-4C86-9AF9-1D7882E59B25}" type="datetimeFigureOut">
               <a:rPr lang="zh-CN" altLang="en-US" smtClean="0"/>
               <a:t>2024/3/10</a:t>
             </a:fld>
@@ -1409,7 +1409,7 @@
           <p:cNvPr id="6" name="页脚占位符 5">
             <a:extLst>
               <a:ext uri="{FF2B5EF4-FFF2-40B4-BE49-F238E27FC236}">
-                <a16:creationId xmlns:a16="http://schemas.microsoft.com/office/drawing/2014/main" id="{E8AE4228-5B97-B022-3406-656865ABBEEB}"/>
+                <a16:creationId xmlns:a16="http://schemas.microsoft.com/office/drawing/2014/main" id="{F117CF13-994D-8A60-FBF6-85F227D7EC4B}"/>
               </a:ext>
             </a:extLst>
           </p:cNvPr>
@@ -1434,7 +1434,7 @@
           <p:cNvPr id="7" name="灯片编号占位符 6">
             <a:extLst>
               <a:ext uri="{FF2B5EF4-FFF2-40B4-BE49-F238E27FC236}">
-                <a16:creationId xmlns:a16="http://schemas.microsoft.com/office/drawing/2014/main" id="{C9A96AD0-AF02-600A-AB3D-A21A685AB996}"/>
+                <a16:creationId xmlns:a16="http://schemas.microsoft.com/office/drawing/2014/main" id="{2A56D92A-B71F-A2F1-1FFE-997D55D54C26}"/>
               </a:ext>
             </a:extLst>
           </p:cNvPr>
@@ -1450,7 +1450,7 @@
           <a:bodyPr/>
           <a:lstStyle/>
           <a:p>
-            <a:fld id="{746262C2-BB26-44B8-83C3-120D5066EF6E}" type="slidenum">
+            <a:fld id="{4A1DACA9-3386-4649-B7FC-8CEE7254DC27}" type="slidenum">
               <a:rPr lang="zh-CN" altLang="en-US" smtClean="0"/>
               <a:t>‹#›</a:t>
             </a:fld>
@@ -1461,7 +1461,7 @@
     </p:spTree>
     <p:extLst>
       <p:ext uri="{BB962C8B-B14F-4D97-AF65-F5344CB8AC3E}">
-        <p14:creationId xmlns:p14="http://schemas.microsoft.com/office/powerpoint/2010/main" val="2087635603"/>
+        <p14:creationId xmlns:p14="http://schemas.microsoft.com/office/powerpoint/2010/main" val="1862518244"/>
       </p:ext>
     </p:extLst>
   </p:cSld>
@@ -1493,7 +1493,7 @@
           <p:cNvPr id="2" name="标题 1">
             <a:extLst>
               <a:ext uri="{FF2B5EF4-FFF2-40B4-BE49-F238E27FC236}">
-                <a16:creationId xmlns:a16="http://schemas.microsoft.com/office/drawing/2014/main" id="{174589FD-0171-66FE-D291-FAA99F00F1F9}"/>
+                <a16:creationId xmlns:a16="http://schemas.microsoft.com/office/drawing/2014/main" id="{C27FE68A-BD80-FEE7-9B57-9C51400AB788}"/>
               </a:ext>
             </a:extLst>
           </p:cNvPr>
@@ -1526,7 +1526,7 @@
           <p:cNvPr id="3" name="文本占位符 2">
             <a:extLst>
               <a:ext uri="{FF2B5EF4-FFF2-40B4-BE49-F238E27FC236}">
-                <a16:creationId xmlns:a16="http://schemas.microsoft.com/office/drawing/2014/main" id="{E5317D91-DC13-0C4E-D36C-2EDE478E9AA4}"/>
+                <a16:creationId xmlns:a16="http://schemas.microsoft.com/office/drawing/2014/main" id="{FD7E286D-C603-5F89-9B10-3E79C4F517C0}"/>
               </a:ext>
             </a:extLst>
           </p:cNvPr>
@@ -1597,7 +1597,7 @@
           <p:cNvPr id="4" name="内容占位符 3">
             <a:extLst>
               <a:ext uri="{FF2B5EF4-FFF2-40B4-BE49-F238E27FC236}">
-                <a16:creationId xmlns:a16="http://schemas.microsoft.com/office/drawing/2014/main" id="{3E63D1E6-6EB4-3737-4D68-302DFE39FFD6}"/>
+                <a16:creationId xmlns:a16="http://schemas.microsoft.com/office/drawing/2014/main" id="{EE019B2A-7D1A-470A-1506-41D7AF526ACD}"/>
               </a:ext>
             </a:extLst>
           </p:cNvPr>
@@ -1659,7 +1659,7 @@
           <p:cNvPr id="5" name="文本占位符 4">
             <a:extLst>
               <a:ext uri="{FF2B5EF4-FFF2-40B4-BE49-F238E27FC236}">
-                <a16:creationId xmlns:a16="http://schemas.microsoft.com/office/drawing/2014/main" id="{A83E380E-1717-2EE2-BD80-105C811636AE}"/>
+                <a16:creationId xmlns:a16="http://schemas.microsoft.com/office/drawing/2014/main" id="{2D0575C9-16D3-A0A7-7F0F-5A7A223EEEAD}"/>
               </a:ext>
             </a:extLst>
           </p:cNvPr>
@@ -1730,7 +1730,7 @@
           <p:cNvPr id="6" name="内容占位符 5">
             <a:extLst>
               <a:ext uri="{FF2B5EF4-FFF2-40B4-BE49-F238E27FC236}">
-                <a16:creationId xmlns:a16="http://schemas.microsoft.com/office/drawing/2014/main" id="{56C5305E-5E33-D533-F5C3-FE5193CDA42A}"/>
+                <a16:creationId xmlns:a16="http://schemas.microsoft.com/office/drawing/2014/main" id="{F5C43FAC-7AD0-B631-FF88-DBBDFE061912}"/>
               </a:ext>
             </a:extLst>
           </p:cNvPr>
@@ -1792,7 +1792,7 @@
           <p:cNvPr id="7" name="日期占位符 6">
             <a:extLst>
               <a:ext uri="{FF2B5EF4-FFF2-40B4-BE49-F238E27FC236}">
-                <a16:creationId xmlns:a16="http://schemas.microsoft.com/office/drawing/2014/main" id="{252D8051-C3AC-21A6-087F-1329CB119404}"/>
+                <a16:creationId xmlns:a16="http://schemas.microsoft.com/office/drawing/2014/main" id="{DA79E30A-7051-2A70-665F-F5D972698B99}"/>
               </a:ext>
             </a:extLst>
           </p:cNvPr>
@@ -1808,7 +1808,7 @@
           <a:bodyPr/>
           <a:lstStyle/>
           <a:p>
-            <a:fld id="{65FC8CFC-7AD8-4103-A20D-48BF0D97D535}" type="datetimeFigureOut">
+            <a:fld id="{A7DC077F-2386-4C86-9AF9-1D7882E59B25}" type="datetimeFigureOut">
               <a:rPr lang="zh-CN" altLang="en-US" smtClean="0"/>
               <a:t>2024/3/10</a:t>
             </a:fld>
@@ -1821,7 +1821,7 @@
           <p:cNvPr id="8" name="页脚占位符 7">
             <a:extLst>
               <a:ext uri="{FF2B5EF4-FFF2-40B4-BE49-F238E27FC236}">
-                <a16:creationId xmlns:a16="http://schemas.microsoft.com/office/drawing/2014/main" id="{08F4D69C-9195-9815-3D78-5AD69437CD9D}"/>
+                <a16:creationId xmlns:a16="http://schemas.microsoft.com/office/drawing/2014/main" id="{D348A3FA-C6F2-E83F-7728-7EB9346A9B54}"/>
               </a:ext>
             </a:extLst>
           </p:cNvPr>
@@ -1846,7 +1846,7 @@
           <p:cNvPr id="9" name="灯片编号占位符 8">
             <a:extLst>
               <a:ext uri="{FF2B5EF4-FFF2-40B4-BE49-F238E27FC236}">
-                <a16:creationId xmlns:a16="http://schemas.microsoft.com/office/drawing/2014/main" id="{E2C423BD-F0E4-DA00-0094-1836D8D03EEB}"/>
+                <a16:creationId xmlns:a16="http://schemas.microsoft.com/office/drawing/2014/main" id="{527F2F47-826E-4827-3E69-760081946140}"/>
               </a:ext>
             </a:extLst>
           </p:cNvPr>
@@ -1862,7 +1862,7 @@
           <a:bodyPr/>
           <a:lstStyle/>
           <a:p>
-            <a:fld id="{746262C2-BB26-44B8-83C3-120D5066EF6E}" type="slidenum">
+            <a:fld id="{4A1DACA9-3386-4649-B7FC-8CEE7254DC27}" type="slidenum">
               <a:rPr lang="zh-CN" altLang="en-US" smtClean="0"/>
               <a:t>‹#›</a:t>
             </a:fld>
@@ -1873,7 +1873,7 @@
     </p:spTree>
     <p:extLst>
       <p:ext uri="{BB962C8B-B14F-4D97-AF65-F5344CB8AC3E}">
-        <p14:creationId xmlns:p14="http://schemas.microsoft.com/office/powerpoint/2010/main" val="998516846"/>
+        <p14:creationId xmlns:p14="http://schemas.microsoft.com/office/powerpoint/2010/main" val="525336334"/>
       </p:ext>
     </p:extLst>
   </p:cSld>
@@ -1905,7 +1905,7 @@
           <p:cNvPr id="2" name="标题 1">
             <a:extLst>
               <a:ext uri="{FF2B5EF4-FFF2-40B4-BE49-F238E27FC236}">
-                <a16:creationId xmlns:a16="http://schemas.microsoft.com/office/drawing/2014/main" id="{903ECEE5-E2EF-2335-C02F-7817538549BF}"/>
+                <a16:creationId xmlns:a16="http://schemas.microsoft.com/office/drawing/2014/main" id="{6ABAA3EB-A5A1-C003-E7FD-4656A8B11CC8}"/>
               </a:ext>
             </a:extLst>
           </p:cNvPr>
@@ -1933,7 +1933,7 @@
           <p:cNvPr id="3" name="日期占位符 2">
             <a:extLst>
               <a:ext uri="{FF2B5EF4-FFF2-40B4-BE49-F238E27FC236}">
-                <a16:creationId xmlns:a16="http://schemas.microsoft.com/office/drawing/2014/main" id="{8BB2B756-7AF3-5E78-2753-FF7A815E2988}"/>
+                <a16:creationId xmlns:a16="http://schemas.microsoft.com/office/drawing/2014/main" id="{1D98590A-2AB2-A087-968A-718D2CA39F2E}"/>
               </a:ext>
             </a:extLst>
           </p:cNvPr>
@@ -1949,7 +1949,7 @@
           <a:bodyPr/>
           <a:lstStyle/>
           <a:p>
-            <a:fld id="{65FC8CFC-7AD8-4103-A20D-48BF0D97D535}" type="datetimeFigureOut">
+            <a:fld id="{A7DC077F-2386-4C86-9AF9-1D7882E59B25}" type="datetimeFigureOut">
               <a:rPr lang="zh-CN" altLang="en-US" smtClean="0"/>
               <a:t>2024/3/10</a:t>
             </a:fld>
@@ -1962,7 +1962,7 @@
           <p:cNvPr id="4" name="页脚占位符 3">
             <a:extLst>
               <a:ext uri="{FF2B5EF4-FFF2-40B4-BE49-F238E27FC236}">
-                <a16:creationId xmlns:a16="http://schemas.microsoft.com/office/drawing/2014/main" id="{88DD6F46-6B5A-2060-DFC6-93AE397873CC}"/>
+                <a16:creationId xmlns:a16="http://schemas.microsoft.com/office/drawing/2014/main" id="{8F9D0998-C9D7-7716-B894-0DD29C2C6472}"/>
               </a:ext>
             </a:extLst>
           </p:cNvPr>
@@ -1987,7 +1987,7 @@
           <p:cNvPr id="5" name="灯片编号占位符 4">
             <a:extLst>
               <a:ext uri="{FF2B5EF4-FFF2-40B4-BE49-F238E27FC236}">
-                <a16:creationId xmlns:a16="http://schemas.microsoft.com/office/drawing/2014/main" id="{093B2F92-18EF-640A-3FEA-46E95C4C21B8}"/>
+                <a16:creationId xmlns:a16="http://schemas.microsoft.com/office/drawing/2014/main" id="{A5BE6632-B5FB-4FB4-6494-FF6F9C9BF92C}"/>
               </a:ext>
             </a:extLst>
           </p:cNvPr>
@@ -2003,7 +2003,7 @@
           <a:bodyPr/>
           <a:lstStyle/>
           <a:p>
-            <a:fld id="{746262C2-BB26-44B8-83C3-120D5066EF6E}" type="slidenum">
+            <a:fld id="{4A1DACA9-3386-4649-B7FC-8CEE7254DC27}" type="slidenum">
               <a:rPr lang="zh-CN" altLang="en-US" smtClean="0"/>
               <a:t>‹#›</a:t>
             </a:fld>
@@ -2014,7 +2014,7 @@
     </p:spTree>
     <p:extLst>
       <p:ext uri="{BB962C8B-B14F-4D97-AF65-F5344CB8AC3E}">
-        <p14:creationId xmlns:p14="http://schemas.microsoft.com/office/powerpoint/2010/main" val="124406450"/>
+        <p14:creationId xmlns:p14="http://schemas.microsoft.com/office/powerpoint/2010/main" val="3847689827"/>
       </p:ext>
     </p:extLst>
   </p:cSld>
@@ -2046,7 +2046,7 @@
           <p:cNvPr id="2" name="日期占位符 1">
             <a:extLst>
               <a:ext uri="{FF2B5EF4-FFF2-40B4-BE49-F238E27FC236}">
-                <a16:creationId xmlns:a16="http://schemas.microsoft.com/office/drawing/2014/main" id="{652E64B9-E3AA-3D63-BE75-2D91E3F3BC6E}"/>
+                <a16:creationId xmlns:a16="http://schemas.microsoft.com/office/drawing/2014/main" id="{4F97D62A-4EBD-AF15-666A-95DCDBD41DA6}"/>
               </a:ext>
             </a:extLst>
           </p:cNvPr>
@@ -2062,7 +2062,7 @@
           <a:bodyPr/>
           <a:lstStyle/>
           <a:p>
-            <a:fld id="{65FC8CFC-7AD8-4103-A20D-48BF0D97D535}" type="datetimeFigureOut">
+            <a:fld id="{A7DC077F-2386-4C86-9AF9-1D7882E59B25}" type="datetimeFigureOut">
               <a:rPr lang="zh-CN" altLang="en-US" smtClean="0"/>
               <a:t>2024/3/10</a:t>
             </a:fld>
@@ -2075,7 +2075,7 @@
           <p:cNvPr id="3" name="页脚占位符 2">
             <a:extLst>
               <a:ext uri="{FF2B5EF4-FFF2-40B4-BE49-F238E27FC236}">
-                <a16:creationId xmlns:a16="http://schemas.microsoft.com/office/drawing/2014/main" id="{CB4D1464-3F4C-74CB-D8B0-F34B17763657}"/>
+                <a16:creationId xmlns:a16="http://schemas.microsoft.com/office/drawing/2014/main" id="{DEA384EA-3301-A3CF-B903-F1F5975E5108}"/>
               </a:ext>
             </a:extLst>
           </p:cNvPr>
@@ -2100,7 +2100,7 @@
           <p:cNvPr id="4" name="灯片编号占位符 3">
             <a:extLst>
               <a:ext uri="{FF2B5EF4-FFF2-40B4-BE49-F238E27FC236}">
-                <a16:creationId xmlns:a16="http://schemas.microsoft.com/office/drawing/2014/main" id="{4E2A8348-EDBA-34BB-3248-0D844ABAAD43}"/>
+                <a16:creationId xmlns:a16="http://schemas.microsoft.com/office/drawing/2014/main" id="{7C3BB122-7F91-E5D0-6F91-6AED352F23B1}"/>
               </a:ext>
             </a:extLst>
           </p:cNvPr>
@@ -2116,7 +2116,7 @@
           <a:bodyPr/>
           <a:lstStyle/>
           <a:p>
-            <a:fld id="{746262C2-BB26-44B8-83C3-120D5066EF6E}" type="slidenum">
+            <a:fld id="{4A1DACA9-3386-4649-B7FC-8CEE7254DC27}" type="slidenum">
               <a:rPr lang="zh-CN" altLang="en-US" smtClean="0"/>
               <a:t>‹#›</a:t>
             </a:fld>
@@ -2127,7 +2127,7 @@
     </p:spTree>
     <p:extLst>
       <p:ext uri="{BB962C8B-B14F-4D97-AF65-F5344CB8AC3E}">
-        <p14:creationId xmlns:p14="http://schemas.microsoft.com/office/powerpoint/2010/main" val="2816634589"/>
+        <p14:creationId xmlns:p14="http://schemas.microsoft.com/office/powerpoint/2010/main" val="3752186035"/>
       </p:ext>
     </p:extLst>
   </p:cSld>
@@ -2159,7 +2159,7 @@
           <p:cNvPr id="2" name="标题 1">
             <a:extLst>
               <a:ext uri="{FF2B5EF4-FFF2-40B4-BE49-F238E27FC236}">
-                <a16:creationId xmlns:a16="http://schemas.microsoft.com/office/drawing/2014/main" id="{CDB3CDAF-E250-9207-D66E-7BD9BEE54016}"/>
+                <a16:creationId xmlns:a16="http://schemas.microsoft.com/office/drawing/2014/main" id="{AF67757E-AE94-55F7-DDC8-36D4930CEB14}"/>
               </a:ext>
             </a:extLst>
           </p:cNvPr>
@@ -2196,7 +2196,7 @@
           <p:cNvPr id="3" name="内容占位符 2">
             <a:extLst>
               <a:ext uri="{FF2B5EF4-FFF2-40B4-BE49-F238E27FC236}">
-                <a16:creationId xmlns:a16="http://schemas.microsoft.com/office/drawing/2014/main" id="{D6C6AA97-481D-E7F9-106E-3EE25AD926A5}"/>
+                <a16:creationId xmlns:a16="http://schemas.microsoft.com/office/drawing/2014/main" id="{58C8E3B6-5B4C-2F0A-D185-2121C065A023}"/>
               </a:ext>
             </a:extLst>
           </p:cNvPr>
@@ -2286,7 +2286,7 @@
           <p:cNvPr id="4" name="文本占位符 3">
             <a:extLst>
               <a:ext uri="{FF2B5EF4-FFF2-40B4-BE49-F238E27FC236}">
-                <a16:creationId xmlns:a16="http://schemas.microsoft.com/office/drawing/2014/main" id="{A13BA96A-BA87-384D-8807-9735912E7C36}"/>
+                <a16:creationId xmlns:a16="http://schemas.microsoft.com/office/drawing/2014/main" id="{BE7EC055-6F9F-635A-FC64-F848B548FFF3}"/>
               </a:ext>
             </a:extLst>
           </p:cNvPr>
@@ -2357,7 +2357,7 @@
           <p:cNvPr id="5" name="日期占位符 4">
             <a:extLst>
               <a:ext uri="{FF2B5EF4-FFF2-40B4-BE49-F238E27FC236}">
-                <a16:creationId xmlns:a16="http://schemas.microsoft.com/office/drawing/2014/main" id="{DBD3F236-7DBD-AC33-2216-41302FD28680}"/>
+                <a16:creationId xmlns:a16="http://schemas.microsoft.com/office/drawing/2014/main" id="{AD9AB14A-B3E1-EE1E-16B6-D28F465E5998}"/>
               </a:ext>
             </a:extLst>
           </p:cNvPr>
@@ -2373,7 +2373,7 @@
           <a:bodyPr/>
           <a:lstStyle/>
           <a:p>
-            <a:fld id="{65FC8CFC-7AD8-4103-A20D-48BF0D97D535}" type="datetimeFigureOut">
+            <a:fld id="{A7DC077F-2386-4C86-9AF9-1D7882E59B25}" type="datetimeFigureOut">
               <a:rPr lang="zh-CN" altLang="en-US" smtClean="0"/>
               <a:t>2024/3/10</a:t>
             </a:fld>
@@ -2386,7 +2386,7 @@
           <p:cNvPr id="6" name="页脚占位符 5">
             <a:extLst>
               <a:ext uri="{FF2B5EF4-FFF2-40B4-BE49-F238E27FC236}">
-                <a16:creationId xmlns:a16="http://schemas.microsoft.com/office/drawing/2014/main" id="{7BACD5BA-B51C-80F8-F45E-71B152E9825C}"/>
+                <a16:creationId xmlns:a16="http://schemas.microsoft.com/office/drawing/2014/main" id="{5CC1CF44-8AF8-F302-DB28-06FD34F32748}"/>
               </a:ext>
             </a:extLst>
           </p:cNvPr>
@@ -2411,7 +2411,7 @@
           <p:cNvPr id="7" name="灯片编号占位符 6">
             <a:extLst>
               <a:ext uri="{FF2B5EF4-FFF2-40B4-BE49-F238E27FC236}">
-                <a16:creationId xmlns:a16="http://schemas.microsoft.com/office/drawing/2014/main" id="{BD62DD2A-8D9E-CFB5-3D9D-5290224A103A}"/>
+                <a16:creationId xmlns:a16="http://schemas.microsoft.com/office/drawing/2014/main" id="{E537B6F4-A2D4-2214-325A-5F1BBE0AA922}"/>
               </a:ext>
             </a:extLst>
           </p:cNvPr>
@@ -2427,7 +2427,7 @@
           <a:bodyPr/>
           <a:lstStyle/>
           <a:p>
-            <a:fld id="{746262C2-BB26-44B8-83C3-120D5066EF6E}" type="slidenum">
+            <a:fld id="{4A1DACA9-3386-4649-B7FC-8CEE7254DC27}" type="slidenum">
               <a:rPr lang="zh-CN" altLang="en-US" smtClean="0"/>
               <a:t>‹#›</a:t>
             </a:fld>
@@ -2438,7 +2438,7 @@
     </p:spTree>
     <p:extLst>
       <p:ext uri="{BB962C8B-B14F-4D97-AF65-F5344CB8AC3E}">
-        <p14:creationId xmlns:p14="http://schemas.microsoft.com/office/powerpoint/2010/main" val="3246929868"/>
+        <p14:creationId xmlns:p14="http://schemas.microsoft.com/office/powerpoint/2010/main" val="3621604923"/>
       </p:ext>
     </p:extLst>
   </p:cSld>
@@ -2470,7 +2470,7 @@
           <p:cNvPr id="2" name="标题 1">
             <a:extLst>
               <a:ext uri="{FF2B5EF4-FFF2-40B4-BE49-F238E27FC236}">
-                <a16:creationId xmlns:a16="http://schemas.microsoft.com/office/drawing/2014/main" id="{3986FF1D-69A7-F590-E68D-7F1ECAB2427C}"/>
+                <a16:creationId xmlns:a16="http://schemas.microsoft.com/office/drawing/2014/main" id="{AEAEEE50-FC57-0FD2-3BF4-2C2CA1307502}"/>
               </a:ext>
             </a:extLst>
           </p:cNvPr>
@@ -2507,7 +2507,7 @@
           <p:cNvPr id="3" name="图片占位符 2">
             <a:extLst>
               <a:ext uri="{FF2B5EF4-FFF2-40B4-BE49-F238E27FC236}">
-                <a16:creationId xmlns:a16="http://schemas.microsoft.com/office/drawing/2014/main" id="{0A10EF2A-1C18-A595-776F-04C9BC41C2A6}"/>
+                <a16:creationId xmlns:a16="http://schemas.microsoft.com/office/drawing/2014/main" id="{45AE9825-0317-14A9-F2E2-EE7C6F3D4748}"/>
               </a:ext>
             </a:extLst>
           </p:cNvPr>
@@ -2574,7 +2574,7 @@
           <p:cNvPr id="4" name="文本占位符 3">
             <a:extLst>
               <a:ext uri="{FF2B5EF4-FFF2-40B4-BE49-F238E27FC236}">
-                <a16:creationId xmlns:a16="http://schemas.microsoft.com/office/drawing/2014/main" id="{D3CF68BA-4D34-DBF5-3E94-05EAAB39FC04}"/>
+                <a16:creationId xmlns:a16="http://schemas.microsoft.com/office/drawing/2014/main" id="{15A78BED-7E81-67C6-F7FF-03D63F866C1A}"/>
               </a:ext>
             </a:extLst>
           </p:cNvPr>
@@ -2645,7 +2645,7 @@
           <p:cNvPr id="5" name="日期占位符 4">
             <a:extLst>
               <a:ext uri="{FF2B5EF4-FFF2-40B4-BE49-F238E27FC236}">
-                <a16:creationId xmlns:a16="http://schemas.microsoft.com/office/drawing/2014/main" id="{DFDF4AE4-8911-A9B6-5038-109EE8B93CA4}"/>
+                <a16:creationId xmlns:a16="http://schemas.microsoft.com/office/drawing/2014/main" id="{B98D4936-3D6D-761A-14ED-568BA6568D3D}"/>
               </a:ext>
             </a:extLst>
           </p:cNvPr>
@@ -2661,7 +2661,7 @@
           <a:bodyPr/>
           <a:lstStyle/>
           <a:p>
-            <a:fld id="{65FC8CFC-7AD8-4103-A20D-48BF0D97D535}" type="datetimeFigureOut">
+            <a:fld id="{A7DC077F-2386-4C86-9AF9-1D7882E59B25}" type="datetimeFigureOut">
               <a:rPr lang="zh-CN" altLang="en-US" smtClean="0"/>
               <a:t>2024/3/10</a:t>
             </a:fld>
@@ -2674,7 +2674,7 @@
           <p:cNvPr id="6" name="页脚占位符 5">
             <a:extLst>
               <a:ext uri="{FF2B5EF4-FFF2-40B4-BE49-F238E27FC236}">
-                <a16:creationId xmlns:a16="http://schemas.microsoft.com/office/drawing/2014/main" id="{3679C1DF-7925-6CE6-9003-942D1A29B163}"/>
+                <a16:creationId xmlns:a16="http://schemas.microsoft.com/office/drawing/2014/main" id="{8434AE39-7EA1-5D2E-AFA4-C906DB2F3B8C}"/>
               </a:ext>
             </a:extLst>
           </p:cNvPr>
@@ -2699,7 +2699,7 @@
           <p:cNvPr id="7" name="灯片编号占位符 6">
             <a:extLst>
               <a:ext uri="{FF2B5EF4-FFF2-40B4-BE49-F238E27FC236}">
-                <a16:creationId xmlns:a16="http://schemas.microsoft.com/office/drawing/2014/main" id="{F86A380E-AE44-70CD-DB64-32BBFBA127DA}"/>
+                <a16:creationId xmlns:a16="http://schemas.microsoft.com/office/drawing/2014/main" id="{33E2E3FF-D1B3-DF83-35AF-1B724288CCE7}"/>
               </a:ext>
             </a:extLst>
           </p:cNvPr>
@@ -2715,7 +2715,7 @@
           <a:bodyPr/>
           <a:lstStyle/>
           <a:p>
-            <a:fld id="{746262C2-BB26-44B8-83C3-120D5066EF6E}" type="slidenum">
+            <a:fld id="{4A1DACA9-3386-4649-B7FC-8CEE7254DC27}" type="slidenum">
               <a:rPr lang="zh-CN" altLang="en-US" smtClean="0"/>
               <a:t>‹#›</a:t>
             </a:fld>
@@ -2726,7 +2726,7 @@
     </p:spTree>
     <p:extLst>
       <p:ext uri="{BB962C8B-B14F-4D97-AF65-F5344CB8AC3E}">
-        <p14:creationId xmlns:p14="http://schemas.microsoft.com/office/powerpoint/2010/main" val="901917947"/>
+        <p14:creationId xmlns:p14="http://schemas.microsoft.com/office/powerpoint/2010/main" val="3546962565"/>
       </p:ext>
     </p:extLst>
   </p:cSld>
@@ -2763,7 +2763,7 @@
           <p:cNvPr id="2" name="标题占位符 1">
             <a:extLst>
               <a:ext uri="{FF2B5EF4-FFF2-40B4-BE49-F238E27FC236}">
-                <a16:creationId xmlns:a16="http://schemas.microsoft.com/office/drawing/2014/main" id="{A410B045-71D3-24CE-7F21-B091F53C7A71}"/>
+                <a16:creationId xmlns:a16="http://schemas.microsoft.com/office/drawing/2014/main" id="{8DD7D36E-5BFA-982E-CEDB-186DB6E01C07}"/>
               </a:ext>
             </a:extLst>
           </p:cNvPr>
@@ -2801,7 +2801,7 @@
           <p:cNvPr id="3" name="文本占位符 2">
             <a:extLst>
               <a:ext uri="{FF2B5EF4-FFF2-40B4-BE49-F238E27FC236}">
-                <a16:creationId xmlns:a16="http://schemas.microsoft.com/office/drawing/2014/main" id="{27C1AE48-E1BA-4E2A-1DEC-C072CE452C69}"/>
+                <a16:creationId xmlns:a16="http://schemas.microsoft.com/office/drawing/2014/main" id="{0F5AC7A6-FDB0-0FA4-A27B-3BD2558653DD}"/>
               </a:ext>
             </a:extLst>
           </p:cNvPr>
@@ -2868,7 +2868,7 @@
           <p:cNvPr id="4" name="日期占位符 3">
             <a:extLst>
               <a:ext uri="{FF2B5EF4-FFF2-40B4-BE49-F238E27FC236}">
-                <a16:creationId xmlns:a16="http://schemas.microsoft.com/office/drawing/2014/main" id="{C477E914-0F5F-BEF8-5CCA-9B3DA42D729A}"/>
+                <a16:creationId xmlns:a16="http://schemas.microsoft.com/office/drawing/2014/main" id="{448FCE57-22D9-EE8B-D99D-08574E4FEA39}"/>
               </a:ext>
             </a:extLst>
           </p:cNvPr>
@@ -2902,7 +2902,7 @@
             </a:lvl1pPr>
           </a:lstStyle>
           <a:p>
-            <a:fld id="{65FC8CFC-7AD8-4103-A20D-48BF0D97D535}" type="datetimeFigureOut">
+            <a:fld id="{A7DC077F-2386-4C86-9AF9-1D7882E59B25}" type="datetimeFigureOut">
               <a:rPr lang="zh-CN" altLang="en-US" smtClean="0"/>
               <a:t>2024/3/10</a:t>
             </a:fld>
@@ -2915,7 +2915,7 @@
           <p:cNvPr id="5" name="页脚占位符 4">
             <a:extLst>
               <a:ext uri="{FF2B5EF4-FFF2-40B4-BE49-F238E27FC236}">
-                <a16:creationId xmlns:a16="http://schemas.microsoft.com/office/drawing/2014/main" id="{1335289B-6BFC-BA0F-88DA-9F6A4EC1C31C}"/>
+                <a16:creationId xmlns:a16="http://schemas.microsoft.com/office/drawing/2014/main" id="{06CC6D28-19A4-1DE4-4B73-0E1F7B83ABE7}"/>
               </a:ext>
             </a:extLst>
           </p:cNvPr>
@@ -2958,7 +2958,7 @@
           <p:cNvPr id="6" name="灯片编号占位符 5">
             <a:extLst>
               <a:ext uri="{FF2B5EF4-FFF2-40B4-BE49-F238E27FC236}">
-                <a16:creationId xmlns:a16="http://schemas.microsoft.com/office/drawing/2014/main" id="{58E60DF5-633A-ADAC-1321-0AF5ED869BD7}"/>
+                <a16:creationId xmlns:a16="http://schemas.microsoft.com/office/drawing/2014/main" id="{FA69D628-6FD4-5852-B455-A6970AADC77F}"/>
               </a:ext>
             </a:extLst>
           </p:cNvPr>
@@ -2992,7 +2992,7 @@
             </a:lvl1pPr>
           </a:lstStyle>
           <a:p>
-            <a:fld id="{746262C2-BB26-44B8-83C3-120D5066EF6E}" type="slidenum">
+            <a:fld id="{4A1DACA9-3386-4649-B7FC-8CEE7254DC27}" type="slidenum">
               <a:rPr lang="zh-CN" altLang="en-US" smtClean="0"/>
               <a:t>‹#›</a:t>
             </a:fld>
@@ -3003,7 +3003,7 @@
     </p:spTree>
     <p:extLst>
       <p:ext uri="{BB962C8B-B14F-4D97-AF65-F5344CB8AC3E}">
-        <p14:creationId xmlns:p14="http://schemas.microsoft.com/office/powerpoint/2010/main" val="270993864"/>
+        <p14:creationId xmlns:p14="http://schemas.microsoft.com/office/powerpoint/2010/main" val="4155951062"/>
       </p:ext>
     </p:extLst>
   </p:cSld>
